--- a/HCIM Capstone Project.pptx
+++ b/HCIM Capstone Project.pptx
@@ -127,6 +127,11 @@
       </a:defRPr>
     </a:lvl9pPr>
   </p:defaultTextStyle>
+  <p:extLst>
+    <p:ext uri="{EFAFB233-063F-42B5-8137-9DF3F51BA10A}">
+      <p15:sldGuideLst xmlns:p15="http://schemas.microsoft.com/office/powerpoint/2012/main"/>
+    </p:ext>
+  </p:extLst>
 </p:presentation>
 </file>
 
@@ -136,6 +141,13 @@
     <p:extLst>
       <p:ext uri="{19B8F6BF-5375-455C-9EA6-DF929625EA0E}">
         <p15:presenceInfo xmlns:p15="http://schemas.microsoft.com/office/powerpoint/2012/main" userId="73559dbd9565c9d4" providerId="Windows Live"/>
+      </p:ext>
+    </p:extLst>
+  </p:cmAuthor>
+  <p:cmAuthor id="2" name="Jaison Cooper" initials="JC" lastIdx="40" clrIdx="1">
+    <p:extLst>
+      <p:ext uri="{19B8F6BF-5375-455C-9EA6-DF929625EA0E}">
+        <p15:presenceInfo xmlns:p15="http://schemas.microsoft.com/office/powerpoint/2012/main" userId="e81d26a7f0d932e1" providerId="Windows Live"/>
       </p:ext>
     </p:extLst>
   </p:cmAuthor>
@@ -224,7 +236,7 @@
           <a:p>
             <a:fld id="{21BE44C0-2174-4497-BAC2-D7CFB8360CE1}" type="datetimeFigureOut">
               <a:rPr lang="en-US" smtClean="0"/>
-              <a:t>4/24/2013</a:t>
+              <a:t>4/25/2013</a:t>
             </a:fld>
             <a:endParaRPr lang="en-US" dirty="0"/>
           </a:p>
@@ -959,7 +971,7 @@
           <a:p>
             <a:fld id="{C679813C-8F6A-474B-BA87-A47F914EE775}" type="datetimeFigureOut">
               <a:rPr lang="en-US" smtClean="0"/>
-              <a:t>4/24/2013</a:t>
+              <a:t>4/25/2013</a:t>
             </a:fld>
             <a:endParaRPr lang="en-US" dirty="0"/>
           </a:p>
@@ -1129,7 +1141,7 @@
           <a:p>
             <a:fld id="{C679813C-8F6A-474B-BA87-A47F914EE775}" type="datetimeFigureOut">
               <a:rPr lang="en-US" smtClean="0"/>
-              <a:t>4/24/2013</a:t>
+              <a:t>4/25/2013</a:t>
             </a:fld>
             <a:endParaRPr lang="en-US" dirty="0"/>
           </a:p>
@@ -1309,7 +1321,7 @@
           <a:p>
             <a:fld id="{C679813C-8F6A-474B-BA87-A47F914EE775}" type="datetimeFigureOut">
               <a:rPr lang="en-US" smtClean="0"/>
-              <a:t>4/24/2013</a:t>
+              <a:t>4/25/2013</a:t>
             </a:fld>
             <a:endParaRPr lang="en-US" dirty="0"/>
           </a:p>
@@ -1479,7 +1491,7 @@
           <a:p>
             <a:fld id="{C679813C-8F6A-474B-BA87-A47F914EE775}" type="datetimeFigureOut">
               <a:rPr lang="en-US" smtClean="0"/>
-              <a:t>4/24/2013</a:t>
+              <a:t>4/25/2013</a:t>
             </a:fld>
             <a:endParaRPr lang="en-US" dirty="0"/>
           </a:p>
@@ -1725,7 +1737,7 @@
           <a:p>
             <a:fld id="{C679813C-8F6A-474B-BA87-A47F914EE775}" type="datetimeFigureOut">
               <a:rPr lang="en-US" smtClean="0"/>
-              <a:t>4/24/2013</a:t>
+              <a:t>4/25/2013</a:t>
             </a:fld>
             <a:endParaRPr lang="en-US" dirty="0"/>
           </a:p>
@@ -1957,7 +1969,7 @@
           <a:p>
             <a:fld id="{C679813C-8F6A-474B-BA87-A47F914EE775}" type="datetimeFigureOut">
               <a:rPr lang="en-US" smtClean="0"/>
-              <a:t>4/24/2013</a:t>
+              <a:t>4/25/2013</a:t>
             </a:fld>
             <a:endParaRPr lang="en-US" dirty="0"/>
           </a:p>
@@ -2324,7 +2336,7 @@
           <a:p>
             <a:fld id="{C679813C-8F6A-474B-BA87-A47F914EE775}" type="datetimeFigureOut">
               <a:rPr lang="en-US" smtClean="0"/>
-              <a:t>4/24/2013</a:t>
+              <a:t>4/25/2013</a:t>
             </a:fld>
             <a:endParaRPr lang="en-US" dirty="0"/>
           </a:p>
@@ -2442,7 +2454,7 @@
           <a:p>
             <a:fld id="{C679813C-8F6A-474B-BA87-A47F914EE775}" type="datetimeFigureOut">
               <a:rPr lang="en-US" smtClean="0"/>
-              <a:t>4/24/2013</a:t>
+              <a:t>4/25/2013</a:t>
             </a:fld>
             <a:endParaRPr lang="en-US" dirty="0"/>
           </a:p>
@@ -2537,7 +2549,7 @@
           <a:p>
             <a:fld id="{C679813C-8F6A-474B-BA87-A47F914EE775}" type="datetimeFigureOut">
               <a:rPr lang="en-US" smtClean="0"/>
-              <a:t>4/24/2013</a:t>
+              <a:t>4/25/2013</a:t>
             </a:fld>
             <a:endParaRPr lang="en-US" dirty="0"/>
           </a:p>
@@ -2814,7 +2826,7 @@
           <a:p>
             <a:fld id="{C679813C-8F6A-474B-BA87-A47F914EE775}" type="datetimeFigureOut">
               <a:rPr lang="en-US" smtClean="0"/>
-              <a:t>4/24/2013</a:t>
+              <a:t>4/25/2013</a:t>
             </a:fld>
             <a:endParaRPr lang="en-US" dirty="0"/>
           </a:p>
@@ -3067,7 +3079,7 @@
           <a:p>
             <a:fld id="{C679813C-8F6A-474B-BA87-A47F914EE775}" type="datetimeFigureOut">
               <a:rPr lang="en-US" smtClean="0"/>
-              <a:t>4/24/2013</a:t>
+              <a:t>4/25/2013</a:t>
             </a:fld>
             <a:endParaRPr lang="en-US" dirty="0"/>
           </a:p>
@@ -3280,7 +3292,7 @@
           <a:p>
             <a:fld id="{C679813C-8F6A-474B-BA87-A47F914EE775}" type="datetimeFigureOut">
               <a:rPr lang="en-US" smtClean="0"/>
-              <a:t>4/24/2013</a:t>
+              <a:t>4/25/2013</a:t>
             </a:fld>
             <a:endParaRPr lang="en-US" dirty="0"/>
           </a:p>
@@ -4063,7 +4075,7 @@
         </p:blipFill>
         <p:spPr>
           <a:xfrm>
-            <a:off x="2520428" y="215153"/>
+            <a:off x="2521996" y="407658"/>
             <a:ext cx="7148008" cy="5194477"/>
           </a:xfrm>
           <a:prstGeom prst="rect">
@@ -4088,7 +4100,7 @@
         </p:nvSpPr>
         <p:spPr>
           <a:xfrm>
-            <a:off x="2509277" y="5954041"/>
+            <a:off x="2364898" y="5942010"/>
             <a:ext cx="8786252" cy="688806"/>
           </a:xfrm>
           <a:prstGeom prst="rect">
@@ -4293,6 +4305,13 @@
   <p:clrMapOvr>
     <a:masterClrMapping/>
   </p:clrMapOvr>
+  <p:timing>
+    <p:tnLst>
+      <p:par>
+        <p:cTn id="1" dur="indefinite" restart="never" nodeType="tmRoot"/>
+      </p:par>
+    </p:tnLst>
+  </p:timing>
 </p:sld>
 </file>
 
@@ -4335,7 +4354,7 @@
         </p:blipFill>
         <p:spPr>
           <a:xfrm>
-            <a:off x="2509277" y="134471"/>
+            <a:off x="2410115" y="134471"/>
             <a:ext cx="7371771" cy="5526741"/>
           </a:xfrm>
           <a:prstGeom prst="rect">
@@ -4353,7 +4372,7 @@
         </p:nvSpPr>
         <p:spPr>
           <a:xfrm>
-            <a:off x="2509277" y="5954041"/>
+            <a:off x="2280677" y="5954041"/>
             <a:ext cx="7371771" cy="688806"/>
           </a:xfrm>
           <a:prstGeom prst="rect">
@@ -4558,6 +4577,13 @@
   <p:clrMapOvr>
     <a:masterClrMapping/>
   </p:clrMapOvr>
+  <p:timing>
+    <p:tnLst>
+      <p:par>
+        <p:cTn id="1" dur="indefinite" restart="never" nodeType="tmRoot"/>
+      </p:par>
+    </p:tnLst>
+  </p:timing>
 </p:sld>
 </file>
 
@@ -4853,7 +4879,18 @@
                 <a:ea typeface="Open Sans Light" panose="020B0306030504020204" pitchFamily="34" charset="0"/>
                 <a:cs typeface="Open Sans Light" panose="020B0306030504020204" pitchFamily="34" charset="0"/>
               </a:rPr>
-              <a:t>: Rapid Iterations &amp; Rotations </a:t>
+              <a:t>: Rapid Iterations &amp; Rotations (1h)</a:t>
+            </a:r>
+          </a:p>
+          <a:p>
+            <a:pPr algn="l"/>
+            <a:r>
+              <a:rPr lang="en-US" sz="3400" b="1" u="sng" dirty="0" smtClean="0">
+                <a:latin typeface="Open Sans Light" panose="020B0306030504020204" pitchFamily="34" charset="0"/>
+                <a:ea typeface="Open Sans Light" panose="020B0306030504020204" pitchFamily="34" charset="0"/>
+                <a:cs typeface="Open Sans Light" panose="020B0306030504020204" pitchFamily="34" charset="0"/>
+              </a:rPr>
+              <a:t>Goal</a:t>
             </a:r>
             <a:r>
               <a:rPr lang="en-US" sz="3400" dirty="0" smtClean="0">
@@ -4861,13 +4898,8 @@
                 <a:ea typeface="Open Sans Light" panose="020B0306030504020204" pitchFamily="34" charset="0"/>
                 <a:cs typeface="Open Sans Light" panose="020B0306030504020204" pitchFamily="34" charset="0"/>
               </a:rPr>
-              <a:t>(1h)</a:t>
-            </a:r>
-            <a:endParaRPr lang="en-US" sz="3400" dirty="0" smtClean="0">
-              <a:latin typeface="Open Sans Light" panose="020B0306030504020204" pitchFamily="34" charset="0"/>
-              <a:ea typeface="Open Sans Light" panose="020B0306030504020204" pitchFamily="34" charset="0"/>
-              <a:cs typeface="Open Sans Light" panose="020B0306030504020204" pitchFamily="34" charset="0"/>
-            </a:endParaRPr>
+              <a:t>:         Brainstorm and build on the wireframe</a:t>
+            </a:r>
           </a:p>
           <a:p>
             <a:pPr algn="l"/>
@@ -4877,7 +4909,7 @@
                 <a:ea typeface="Open Sans Light" panose="020B0306030504020204" pitchFamily="34" charset="0"/>
                 <a:cs typeface="Open Sans Light" panose="020B0306030504020204" pitchFamily="34" charset="0"/>
               </a:rPr>
-              <a:t>Goal</a:t>
+              <a:t>Analysis</a:t>
             </a:r>
             <a:r>
               <a:rPr lang="en-US" sz="3400" dirty="0" smtClean="0">
@@ -4885,7 +4917,23 @@
                 <a:ea typeface="Open Sans Light" panose="020B0306030504020204" pitchFamily="34" charset="0"/>
                 <a:cs typeface="Open Sans Light" panose="020B0306030504020204" pitchFamily="34" charset="0"/>
               </a:rPr>
-              <a:t>: Brainstorm and build on the wireframe</a:t>
+              <a:t>:   Themes – Notes</a:t>
+            </a:r>
+            <a:r>
+              <a:rPr lang="en-US" sz="3400" dirty="0">
+                <a:latin typeface="Open Sans Light" panose="020B0306030504020204" pitchFamily="34" charset="0"/>
+                <a:ea typeface="Open Sans Light" panose="020B0306030504020204" pitchFamily="34" charset="0"/>
+                <a:cs typeface="Open Sans Light" panose="020B0306030504020204" pitchFamily="34" charset="0"/>
+              </a:rPr>
+              <a:t> </a:t>
+            </a:r>
+            <a:r>
+              <a:rPr lang="en-US" sz="3400" dirty="0" smtClean="0">
+                <a:latin typeface="Open Sans Light" panose="020B0306030504020204" pitchFamily="34" charset="0"/>
+                <a:ea typeface="Open Sans Light" panose="020B0306030504020204" pitchFamily="34" charset="0"/>
+                <a:cs typeface="Open Sans Light" panose="020B0306030504020204" pitchFamily="34" charset="0"/>
+              </a:rPr>
+              <a:t>&amp; Designs</a:t>
             </a:r>
           </a:p>
           <a:p>
@@ -4896,7 +4944,7 @@
                 <a:ea typeface="Open Sans Light" panose="020B0306030504020204" pitchFamily="34" charset="0"/>
                 <a:cs typeface="Open Sans Light" panose="020B0306030504020204" pitchFamily="34" charset="0"/>
               </a:rPr>
-              <a:t>Analysis</a:t>
+              <a:t>Results</a:t>
             </a:r>
             <a:r>
               <a:rPr lang="en-US" sz="3400" dirty="0" smtClean="0">
@@ -4904,8 +4952,11 @@
                 <a:ea typeface="Open Sans Light" panose="020B0306030504020204" pitchFamily="34" charset="0"/>
                 <a:cs typeface="Open Sans Light" panose="020B0306030504020204" pitchFamily="34" charset="0"/>
               </a:rPr>
-              <a:t>: Themes – Notes</a:t>
-            </a:r>
+              <a:t>:    Animals</a:t>
+            </a:r>
+          </a:p>
+          <a:p>
+            <a:pPr algn="l"/>
             <a:r>
               <a:rPr lang="en-US" sz="3400" dirty="0">
                 <a:latin typeface="Open Sans Light" panose="020B0306030504020204" pitchFamily="34" charset="0"/>
@@ -4920,18 +4971,18 @@
                 <a:ea typeface="Open Sans Light" panose="020B0306030504020204" pitchFamily="34" charset="0"/>
                 <a:cs typeface="Open Sans Light" panose="020B0306030504020204" pitchFamily="34" charset="0"/>
               </a:rPr>
-              <a:t>&amp; Designs</a:t>
+              <a:t>                Personal Experience</a:t>
             </a:r>
           </a:p>
           <a:p>
             <a:pPr algn="l"/>
             <a:r>
-              <a:rPr lang="en-US" sz="3400" b="1" u="sng" dirty="0" smtClean="0">
-                <a:latin typeface="Open Sans Light" panose="020B0306030504020204" pitchFamily="34" charset="0"/>
-                <a:ea typeface="Open Sans Light" panose="020B0306030504020204" pitchFamily="34" charset="0"/>
-                <a:cs typeface="Open Sans Light" panose="020B0306030504020204" pitchFamily="34" charset="0"/>
-              </a:rPr>
-              <a:t>Results</a:t>
+              <a:rPr lang="en-US" sz="3400" dirty="0">
+                <a:latin typeface="Open Sans Light" panose="020B0306030504020204" pitchFamily="34" charset="0"/>
+                <a:ea typeface="Open Sans Light" panose="020B0306030504020204" pitchFamily="34" charset="0"/>
+                <a:cs typeface="Open Sans Light" panose="020B0306030504020204" pitchFamily="34" charset="0"/>
+              </a:rPr>
+              <a:t> </a:t>
             </a:r>
             <a:r>
               <a:rPr lang="en-US" sz="3400" dirty="0" smtClean="0">
@@ -4939,7 +4990,7 @@
                 <a:ea typeface="Open Sans Light" panose="020B0306030504020204" pitchFamily="34" charset="0"/>
                 <a:cs typeface="Open Sans Light" panose="020B0306030504020204" pitchFamily="34" charset="0"/>
               </a:rPr>
-              <a:t>: Animals</a:t>
+              <a:t>                Positive Feedback</a:t>
             </a:r>
           </a:p>
           <a:p>
@@ -4958,7 +5009,7 @@
                 <a:ea typeface="Open Sans Light" panose="020B0306030504020204" pitchFamily="34" charset="0"/>
                 <a:cs typeface="Open Sans Light" panose="020B0306030504020204" pitchFamily="34" charset="0"/>
               </a:rPr>
-              <a:t>             Personal Experience</a:t>
+              <a:t>                Currency</a:t>
             </a:r>
           </a:p>
           <a:p>
@@ -4977,45 +5028,7 @@
                 <a:ea typeface="Open Sans Light" panose="020B0306030504020204" pitchFamily="34" charset="0"/>
                 <a:cs typeface="Open Sans Light" panose="020B0306030504020204" pitchFamily="34" charset="0"/>
               </a:rPr>
-              <a:t>             Positive Feedback</a:t>
-            </a:r>
-          </a:p>
-          <a:p>
-            <a:pPr algn="l"/>
-            <a:r>
-              <a:rPr lang="en-US" sz="3400" dirty="0">
-                <a:latin typeface="Open Sans Light" panose="020B0306030504020204" pitchFamily="34" charset="0"/>
-                <a:ea typeface="Open Sans Light" panose="020B0306030504020204" pitchFamily="34" charset="0"/>
-                <a:cs typeface="Open Sans Light" panose="020B0306030504020204" pitchFamily="34" charset="0"/>
-              </a:rPr>
-              <a:t> </a:t>
-            </a:r>
-            <a:r>
-              <a:rPr lang="en-US" sz="3400" dirty="0" smtClean="0">
-                <a:latin typeface="Open Sans Light" panose="020B0306030504020204" pitchFamily="34" charset="0"/>
-                <a:ea typeface="Open Sans Light" panose="020B0306030504020204" pitchFamily="34" charset="0"/>
-                <a:cs typeface="Open Sans Light" panose="020B0306030504020204" pitchFamily="34" charset="0"/>
-              </a:rPr>
-              <a:t>             Currency</a:t>
-            </a:r>
-          </a:p>
-          <a:p>
-            <a:pPr algn="l"/>
-            <a:r>
-              <a:rPr lang="en-US" sz="3400" dirty="0">
-                <a:latin typeface="Open Sans Light" panose="020B0306030504020204" pitchFamily="34" charset="0"/>
-                <a:ea typeface="Open Sans Light" panose="020B0306030504020204" pitchFamily="34" charset="0"/>
-                <a:cs typeface="Open Sans Light" panose="020B0306030504020204" pitchFamily="34" charset="0"/>
-              </a:rPr>
-              <a:t> </a:t>
-            </a:r>
-            <a:r>
-              <a:rPr lang="en-US" sz="3400" dirty="0" smtClean="0">
-                <a:latin typeface="Open Sans Light" panose="020B0306030504020204" pitchFamily="34" charset="0"/>
-                <a:ea typeface="Open Sans Light" panose="020B0306030504020204" pitchFamily="34" charset="0"/>
-                <a:cs typeface="Open Sans Light" panose="020B0306030504020204" pitchFamily="34" charset="0"/>
-              </a:rPr>
-              <a:t>             Surprises</a:t>
+              <a:t>                Surprises</a:t>
             </a:r>
           </a:p>
         </p:txBody>
@@ -5143,7 +5156,7 @@
         </p:blipFill>
         <p:spPr bwMode="auto">
           <a:xfrm rot="5400000">
-            <a:off x="3501497" y="-650198"/>
+            <a:off x="3324930" y="-650198"/>
             <a:ext cx="5542140" cy="7216962"/>
           </a:xfrm>
           <a:prstGeom prst="rect">
@@ -5165,7 +5178,7 @@
         </p:nvSpPr>
         <p:spPr>
           <a:xfrm>
-            <a:off x="2509277" y="5954041"/>
+            <a:off x="2410114" y="5954041"/>
             <a:ext cx="7371771" cy="688806"/>
           </a:xfrm>
           <a:prstGeom prst="rect">
@@ -5370,6 +5383,13 @@
   <p:clrMapOvr>
     <a:masterClrMapping/>
   </p:clrMapOvr>
+  <p:timing>
+    <p:tnLst>
+      <p:par>
+        <p:cTn id="1" dur="indefinite" restart="never" nodeType="tmRoot"/>
+      </p:par>
+    </p:tnLst>
+  </p:timing>
 </p:sld>
 </file>
 
@@ -5692,7 +5712,7 @@
         </p:nvSpPr>
         <p:spPr>
           <a:xfrm>
-            <a:off x="1524000" y="1855694"/>
+            <a:off x="2169673" y="1855695"/>
             <a:ext cx="9874827" cy="5002305"/>
           </a:xfrm>
           <a:prstGeom prst="rect">
@@ -6280,7 +6300,18 @@
                 <a:ea typeface="Open Sans Light" panose="020B0306030504020204" pitchFamily="34" charset="0"/>
                 <a:cs typeface="Open Sans Light" panose="020B0306030504020204" pitchFamily="34" charset="0"/>
               </a:rPr>
-              <a:t>: Interviews - Teachers of 3 &amp; 4, 5 </a:t>
+              <a:t>: Interviews - Teachers of 3 &amp; 4, 5 (20m) </a:t>
+            </a:r>
+          </a:p>
+          <a:p>
+            <a:pPr algn="l"/>
+            <a:r>
+              <a:rPr lang="en-US" sz="3400" b="1" u="sng" dirty="0" smtClean="0">
+                <a:latin typeface="Open Sans Light" panose="020B0306030504020204" pitchFamily="34" charset="0"/>
+                <a:ea typeface="Open Sans Light" panose="020B0306030504020204" pitchFamily="34" charset="0"/>
+                <a:cs typeface="Open Sans Light" panose="020B0306030504020204" pitchFamily="34" charset="0"/>
+              </a:rPr>
+              <a:t>Goal</a:t>
             </a:r>
             <a:r>
               <a:rPr lang="en-US" sz="3400" dirty="0" smtClean="0">
@@ -6288,7 +6319,18 @@
                 <a:ea typeface="Open Sans Light" panose="020B0306030504020204" pitchFamily="34" charset="0"/>
                 <a:cs typeface="Open Sans Light" panose="020B0306030504020204" pitchFamily="34" charset="0"/>
               </a:rPr>
-              <a:t>(20m)</a:t>
+              <a:t>:                 Quality of interactions &amp; learning</a:t>
+            </a:r>
+          </a:p>
+          <a:p>
+            <a:pPr algn="l"/>
+            <a:r>
+              <a:rPr lang="en-US" sz="3400" b="1" u="sng" dirty="0" smtClean="0">
+                <a:latin typeface="Open Sans Light" panose="020B0306030504020204" pitchFamily="34" charset="0"/>
+                <a:ea typeface="Open Sans Light" panose="020B0306030504020204" pitchFamily="34" charset="0"/>
+                <a:cs typeface="Open Sans Light" panose="020B0306030504020204" pitchFamily="34" charset="0"/>
+              </a:rPr>
+              <a:t>Results</a:t>
             </a:r>
             <a:r>
               <a:rPr lang="en-US" sz="3400" dirty="0" smtClean="0">
@@ -6296,56 +6338,40 @@
                 <a:ea typeface="Open Sans Light" panose="020B0306030504020204" pitchFamily="34" charset="0"/>
                 <a:cs typeface="Open Sans Light" panose="020B0306030504020204" pitchFamily="34" charset="0"/>
               </a:rPr>
-              <a:t> </a:t>
+              <a:t>:             Age Appropriate (almost)</a:t>
             </a:r>
           </a:p>
           <a:p>
             <a:pPr algn="l"/>
             <a:r>
-              <a:rPr lang="en-US" sz="3400" b="1" u="sng" dirty="0" smtClean="0">
-                <a:latin typeface="Open Sans Light" panose="020B0306030504020204" pitchFamily="34" charset="0"/>
-                <a:ea typeface="Open Sans Light" panose="020B0306030504020204" pitchFamily="34" charset="0"/>
-                <a:cs typeface="Open Sans Light" panose="020B0306030504020204" pitchFamily="34" charset="0"/>
-              </a:rPr>
-              <a:t>Goal</a:t>
-            </a:r>
-            <a:r>
               <a:rPr lang="en-US" sz="3400" dirty="0" smtClean="0">
                 <a:latin typeface="Open Sans Light" panose="020B0306030504020204" pitchFamily="34" charset="0"/>
                 <a:ea typeface="Open Sans Light" panose="020B0306030504020204" pitchFamily="34" charset="0"/>
                 <a:cs typeface="Open Sans Light" panose="020B0306030504020204" pitchFamily="34" charset="0"/>
               </a:rPr>
-              <a:t>: Quality of interactions &amp; learning</a:t>
+              <a:t>                          Repeating</a:t>
             </a:r>
           </a:p>
           <a:p>
             <a:pPr algn="l"/>
             <a:r>
-              <a:rPr lang="en-US" sz="3400" b="1" u="sng" dirty="0" smtClean="0">
-                <a:latin typeface="Open Sans Light" panose="020B0306030504020204" pitchFamily="34" charset="0"/>
-                <a:ea typeface="Open Sans Light" panose="020B0306030504020204" pitchFamily="34" charset="0"/>
-                <a:cs typeface="Open Sans Light" panose="020B0306030504020204" pitchFamily="34" charset="0"/>
-              </a:rPr>
-              <a:t>Analysis</a:t>
-            </a:r>
-            <a:r>
               <a:rPr lang="en-US" sz="3400" dirty="0" smtClean="0">
                 <a:latin typeface="Open Sans Light" panose="020B0306030504020204" pitchFamily="34" charset="0"/>
                 <a:ea typeface="Open Sans Light" panose="020B0306030504020204" pitchFamily="34" charset="0"/>
                 <a:cs typeface="Open Sans Light" panose="020B0306030504020204" pitchFamily="34" charset="0"/>
               </a:rPr>
-              <a:t>: Commonalities and Disparities </a:t>
+              <a:t>                          Practical Guidelines</a:t>
             </a:r>
           </a:p>
           <a:p>
             <a:pPr algn="l"/>
             <a:r>
-              <a:rPr lang="en-US" sz="3400" b="1" u="sng" dirty="0" smtClean="0">
-                <a:latin typeface="Open Sans Light" panose="020B0306030504020204" pitchFamily="34" charset="0"/>
-                <a:ea typeface="Open Sans Light" panose="020B0306030504020204" pitchFamily="34" charset="0"/>
-                <a:cs typeface="Open Sans Light" panose="020B0306030504020204" pitchFamily="34" charset="0"/>
-              </a:rPr>
-              <a:t>Results</a:t>
+              <a:rPr lang="en-US" sz="3400" dirty="0">
+                <a:latin typeface="Open Sans Light" panose="020B0306030504020204" pitchFamily="34" charset="0"/>
+                <a:ea typeface="Open Sans Light" panose="020B0306030504020204" pitchFamily="34" charset="0"/>
+                <a:cs typeface="Open Sans Light" panose="020B0306030504020204" pitchFamily="34" charset="0"/>
+              </a:rPr>
+              <a:t>	</a:t>
             </a:r>
             <a:r>
               <a:rPr lang="en-US" sz="3400" dirty="0" smtClean="0">
@@ -6353,7 +6379,7 @@
                 <a:ea typeface="Open Sans Light" panose="020B0306030504020204" pitchFamily="34" charset="0"/>
                 <a:cs typeface="Open Sans Light" panose="020B0306030504020204" pitchFamily="34" charset="0"/>
               </a:rPr>
-              <a:t>: Age Appropriate (almost)</a:t>
+              <a:t>		     &gt;Touch interactions, Instructions</a:t>
             </a:r>
           </a:p>
           <a:p>
@@ -6364,48 +6390,7 @@
                 <a:ea typeface="Open Sans Light" panose="020B0306030504020204" pitchFamily="34" charset="0"/>
                 <a:cs typeface="Open Sans Light" panose="020B0306030504020204" pitchFamily="34" charset="0"/>
               </a:rPr>
-              <a:t>              Repeating</a:t>
-            </a:r>
-          </a:p>
-          <a:p>
-            <a:pPr algn="l"/>
-            <a:r>
-              <a:rPr lang="en-US" sz="3400" dirty="0" smtClean="0">
-                <a:latin typeface="Open Sans Light" panose="020B0306030504020204" pitchFamily="34" charset="0"/>
-                <a:ea typeface="Open Sans Light" panose="020B0306030504020204" pitchFamily="34" charset="0"/>
-                <a:cs typeface="Open Sans Light" panose="020B0306030504020204" pitchFamily="34" charset="0"/>
-              </a:rPr>
-              <a:t>              Practical Guidelines</a:t>
-            </a:r>
-          </a:p>
-          <a:p>
-            <a:pPr algn="l"/>
-            <a:r>
-              <a:rPr lang="en-US" sz="3400" dirty="0">
-                <a:latin typeface="Open Sans Light" panose="020B0306030504020204" pitchFamily="34" charset="0"/>
-                <a:ea typeface="Open Sans Light" panose="020B0306030504020204" pitchFamily="34" charset="0"/>
-                <a:cs typeface="Open Sans Light" panose="020B0306030504020204" pitchFamily="34" charset="0"/>
-              </a:rPr>
-              <a:t>	</a:t>
-            </a:r>
-            <a:r>
-              <a:rPr lang="en-US" sz="3400" dirty="0" smtClean="0">
-                <a:latin typeface="Open Sans Light" panose="020B0306030504020204" pitchFamily="34" charset="0"/>
-                <a:ea typeface="Open Sans Light" panose="020B0306030504020204" pitchFamily="34" charset="0"/>
-                <a:cs typeface="Open Sans Light" panose="020B0306030504020204" pitchFamily="34" charset="0"/>
-              </a:rPr>
-              <a:t>		&gt;Touch interactions, Instructions</a:t>
-            </a:r>
-          </a:p>
-          <a:p>
-            <a:pPr algn="l"/>
-            <a:r>
-              <a:rPr lang="en-US" sz="3400" dirty="0" smtClean="0">
-                <a:latin typeface="Open Sans Light" panose="020B0306030504020204" pitchFamily="34" charset="0"/>
-                <a:ea typeface="Open Sans Light" panose="020B0306030504020204" pitchFamily="34" charset="0"/>
-                <a:cs typeface="Open Sans Light" panose="020B0306030504020204" pitchFamily="34" charset="0"/>
-              </a:rPr>
-              <a:t>              Guided VS Independent</a:t>
+              <a:t>                          Guided VS Independent</a:t>
             </a:r>
           </a:p>
           <a:p>
@@ -6571,7 +6556,7 @@
         </p:spPr>
         <p:txBody>
           <a:bodyPr vert="horz" lIns="91440" tIns="45720" rIns="91440" bIns="45720" rtlCol="0">
-            <a:normAutofit fontScale="92500" lnSpcReduction="10000"/>
+            <a:normAutofit/>
           </a:bodyPr>
           <a:lstStyle>
             <a:lvl1pPr marL="0" indent="0" algn="ctr" defTabSz="914400" rtl="0" eaLnBrk="1" latinLnBrk="0" hangingPunct="1">
@@ -6753,23 +6738,7 @@
                 <a:ea typeface="Open Sans Light" panose="020B0306030504020204" pitchFamily="34" charset="0"/>
                 <a:cs typeface="Open Sans Light" panose="020B0306030504020204" pitchFamily="34" charset="0"/>
               </a:rPr>
-              <a:t>: </a:t>
-            </a:r>
-            <a:r>
-              <a:rPr lang="en-US" sz="3400" dirty="0" smtClean="0">
-                <a:latin typeface="Open Sans Light" panose="020B0306030504020204" pitchFamily="34" charset="0"/>
-                <a:ea typeface="Open Sans Light" panose="020B0306030504020204" pitchFamily="34" charset="0"/>
-                <a:cs typeface="Open Sans Light" panose="020B0306030504020204" pitchFamily="34" charset="0"/>
-              </a:rPr>
-              <a:t>(20m) </a:t>
-            </a:r>
-            <a:r>
-              <a:rPr lang="en-US" sz="3400" dirty="0" smtClean="0">
-                <a:latin typeface="Open Sans Light" panose="020B0306030504020204" pitchFamily="34" charset="0"/>
-                <a:ea typeface="Open Sans Light" panose="020B0306030504020204" pitchFamily="34" charset="0"/>
-                <a:cs typeface="Open Sans Light" panose="020B0306030504020204" pitchFamily="34" charset="0"/>
-              </a:rPr>
-              <a:t/>
+              <a:t>: (20m) </a:t>
             </a:r>
             <a:br>
               <a:rPr lang="en-US" sz="3400" dirty="0" smtClean="0">
@@ -6784,7 +6753,7 @@
                 <a:ea typeface="Open Sans Light" panose="020B0306030504020204" pitchFamily="34" charset="0"/>
                 <a:cs typeface="Open Sans Light" panose="020B0306030504020204" pitchFamily="34" charset="0"/>
               </a:rPr>
-              <a:t>6 Children in pairs of two (3 &amp; 5, 4 &amp; 4, 4 &amp; 4)</a:t>
+              <a:t>              6 Children in pairs of two (3 &amp; 5, 4 &amp; 4, 4 &amp; 4)</a:t>
             </a:r>
           </a:p>
           <a:p>
@@ -6803,7 +6772,7 @@
                 <a:ea typeface="Open Sans Light" panose="020B0306030504020204" pitchFamily="34" charset="0"/>
                 <a:cs typeface="Open Sans Light" panose="020B0306030504020204" pitchFamily="34" charset="0"/>
               </a:rPr>
-              <a:t>: Formative evaluation (Usability &amp; Challenges)</a:t>
+              <a:t>:     Formative evaluation (Usability &amp; Challenges)</a:t>
             </a:r>
           </a:p>
           <a:p>
@@ -6822,15 +6791,7 @@
                 <a:ea typeface="Open Sans Light" panose="020B0306030504020204" pitchFamily="34" charset="0"/>
                 <a:cs typeface="Open Sans Light" panose="020B0306030504020204" pitchFamily="34" charset="0"/>
               </a:rPr>
-              <a:t>: </a:t>
-            </a:r>
-            <a:r>
-              <a:rPr lang="en-US" sz="3400" b="1" dirty="0" smtClean="0">
-                <a:latin typeface="Open Sans Light" panose="020B0306030504020204" pitchFamily="34" charset="0"/>
-                <a:ea typeface="Open Sans Light" panose="020B0306030504020204" pitchFamily="34" charset="0"/>
-                <a:cs typeface="Open Sans Light" panose="020B0306030504020204" pitchFamily="34" charset="0"/>
-              </a:rPr>
-              <a:t>What the teachers said</a:t>
+              <a:t>: What the teachers said</a:t>
             </a:r>
           </a:p>
           <a:p>
@@ -6849,10 +6810,18 @@
                 <a:ea typeface="Open Sans Light" panose="020B0306030504020204" pitchFamily="34" charset="0"/>
                 <a:cs typeface="Open Sans Light" panose="020B0306030504020204" pitchFamily="34" charset="0"/>
               </a:rPr>
-              <a:t>             5/5 Ranking! </a:t>
-            </a:r>
-            <a:r>
-              <a:rPr lang="en-US" sz="3400" dirty="0" smtClean="0">
+              <a:t>             </a:t>
+            </a:r>
+            <a:r>
+              <a:rPr lang="en-US" sz="3400" dirty="0">
+                <a:latin typeface="Open Sans Light" panose="020B0306030504020204" pitchFamily="34" charset="0"/>
+                <a:ea typeface="Open Sans Light" panose="020B0306030504020204" pitchFamily="34" charset="0"/>
+                <a:cs typeface="Open Sans Light" panose="020B0306030504020204" pitchFamily="34" charset="0"/>
+              </a:rPr>
+              <a:t>5/5! </a:t>
+            </a:r>
+            <a:r>
+              <a:rPr lang="en-US" sz="3400" dirty="0">
                 <a:latin typeface="Open Sans Light" panose="020B0306030504020204" pitchFamily="34" charset="0"/>
                 <a:ea typeface="Open Sans Light" panose="020B0306030504020204" pitchFamily="34" charset="0"/>
                 <a:cs typeface="Open Sans Light" panose="020B0306030504020204" pitchFamily="34" charset="0"/>
@@ -6860,97 +6829,126 @@
               </a:rPr>
               <a:t> </a:t>
             </a:r>
-            <a:endParaRPr lang="en-US" sz="3400" dirty="0" smtClean="0">
-              <a:latin typeface="Open Sans Light" panose="020B0306030504020204" pitchFamily="34" charset="0"/>
-              <a:ea typeface="Open Sans Light" panose="020B0306030504020204" pitchFamily="34" charset="0"/>
-              <a:cs typeface="Open Sans Light" panose="020B0306030504020204" pitchFamily="34" charset="0"/>
-            </a:endParaRPr>
-          </a:p>
-          <a:p>
-            <a:pPr algn="l"/>
-            <a:r>
-              <a:rPr lang="en-US" sz="3400" dirty="0">
-                <a:latin typeface="Open Sans Light" panose="020B0306030504020204" pitchFamily="34" charset="0"/>
-                <a:ea typeface="Open Sans Light" panose="020B0306030504020204" pitchFamily="34" charset="0"/>
-                <a:cs typeface="Open Sans Light" panose="020B0306030504020204" pitchFamily="34" charset="0"/>
-              </a:rPr>
-              <a:t> </a:t>
-            </a:r>
-            <a:r>
-              <a:rPr lang="en-US" sz="3400" dirty="0" smtClean="0">
-                <a:latin typeface="Open Sans Light" panose="020B0306030504020204" pitchFamily="34" charset="0"/>
-                <a:ea typeface="Open Sans Light" panose="020B0306030504020204" pitchFamily="34" charset="0"/>
-                <a:cs typeface="Open Sans Light" panose="020B0306030504020204" pitchFamily="34" charset="0"/>
-              </a:rPr>
-              <a:t>             Level 4 is too hard</a:t>
-            </a:r>
-          </a:p>
-          <a:p>
-            <a:pPr algn="l"/>
-            <a:r>
-              <a:rPr lang="en-US" sz="3400" dirty="0">
-                <a:latin typeface="Open Sans Light" panose="020B0306030504020204" pitchFamily="34" charset="0"/>
-                <a:ea typeface="Open Sans Light" panose="020B0306030504020204" pitchFamily="34" charset="0"/>
-                <a:cs typeface="Open Sans Light" panose="020B0306030504020204" pitchFamily="34" charset="0"/>
-              </a:rPr>
-              <a:t> </a:t>
-            </a:r>
-            <a:r>
-              <a:rPr lang="en-US" sz="3400" dirty="0" smtClean="0">
-                <a:latin typeface="Open Sans Light" panose="020B0306030504020204" pitchFamily="34" charset="0"/>
-                <a:ea typeface="Open Sans Light" panose="020B0306030504020204" pitchFamily="34" charset="0"/>
-                <a:cs typeface="Open Sans Light" panose="020B0306030504020204" pitchFamily="34" charset="0"/>
-              </a:rPr>
-              <a:t>             Drawing could be hard</a:t>
-            </a:r>
-          </a:p>
-          <a:p>
-            <a:pPr algn="l"/>
-            <a:r>
-              <a:rPr lang="en-US" sz="3400" dirty="0" smtClean="0">
-                <a:latin typeface="Open Sans Light" panose="020B0306030504020204" pitchFamily="34" charset="0"/>
-                <a:ea typeface="Open Sans Light" panose="020B0306030504020204" pitchFamily="34" charset="0"/>
-                <a:cs typeface="Open Sans Light" panose="020B0306030504020204" pitchFamily="34" charset="0"/>
-              </a:rPr>
-              <a:t>              Declaring expectations </a:t>
-            </a:r>
-          </a:p>
-          <a:p>
-            <a:pPr algn="l"/>
-            <a:r>
-              <a:rPr lang="en-US" sz="3400" dirty="0">
-                <a:latin typeface="Open Sans Light" panose="020B0306030504020204" pitchFamily="34" charset="0"/>
-                <a:ea typeface="Open Sans Light" panose="020B0306030504020204" pitchFamily="34" charset="0"/>
-                <a:cs typeface="Open Sans Light" panose="020B0306030504020204" pitchFamily="34" charset="0"/>
-              </a:rPr>
-              <a:t> </a:t>
-            </a:r>
-            <a:r>
-              <a:rPr lang="en-US" sz="3400" dirty="0" smtClean="0">
-                <a:latin typeface="Open Sans Light" panose="020B0306030504020204" pitchFamily="34" charset="0"/>
-                <a:ea typeface="Open Sans Light" panose="020B0306030504020204" pitchFamily="34" charset="0"/>
-                <a:cs typeface="Open Sans Light" panose="020B0306030504020204" pitchFamily="34" charset="0"/>
-              </a:rPr>
-              <a:t>             Castle and stars are motivating</a:t>
-            </a:r>
-          </a:p>
-          <a:p>
-            <a:pPr algn="l"/>
-            <a:r>
-              <a:rPr lang="en-US" sz="3400" dirty="0" smtClean="0">
-                <a:latin typeface="Open Sans Light" panose="020B0306030504020204" pitchFamily="34" charset="0"/>
-                <a:ea typeface="Open Sans Light" panose="020B0306030504020204" pitchFamily="34" charset="0"/>
-                <a:cs typeface="Open Sans Light" panose="020B0306030504020204" pitchFamily="34" charset="0"/>
-              </a:rPr>
-              <a:t>              Replaying</a:t>
-            </a:r>
-          </a:p>
-          <a:p>
             <a:endParaRPr lang="en-US" sz="3400" dirty="0">
               <a:latin typeface="Open Sans Light" panose="020B0306030504020204" pitchFamily="34" charset="0"/>
               <a:ea typeface="Open Sans Light" panose="020B0306030504020204" pitchFamily="34" charset="0"/>
               <a:cs typeface="Open Sans Light" panose="020B0306030504020204" pitchFamily="34" charset="0"/>
             </a:endParaRPr>
+          </a:p>
+          <a:p>
+            <a:pPr algn="l"/>
+            <a:r>
+              <a:rPr lang="en-US" sz="3400" dirty="0">
+                <a:latin typeface="Open Sans Light" panose="020B0306030504020204" pitchFamily="34" charset="0"/>
+                <a:ea typeface="Open Sans Light" panose="020B0306030504020204" pitchFamily="34" charset="0"/>
+                <a:cs typeface="Open Sans Light" panose="020B0306030504020204" pitchFamily="34" charset="0"/>
+              </a:rPr>
+              <a:t>              Level 4 </a:t>
+            </a:r>
+          </a:p>
+          <a:p>
+            <a:pPr algn="l"/>
+            <a:r>
+              <a:rPr lang="en-US" sz="3400" dirty="0">
+                <a:latin typeface="Open Sans Light" panose="020B0306030504020204" pitchFamily="34" charset="0"/>
+                <a:ea typeface="Open Sans Light" panose="020B0306030504020204" pitchFamily="34" charset="0"/>
+                <a:cs typeface="Open Sans Light" panose="020B0306030504020204" pitchFamily="34" charset="0"/>
+              </a:rPr>
+              <a:t>              Drawing</a:t>
+            </a:r>
+          </a:p>
+        </p:txBody>
+      </p:sp>
+      <p:sp>
+        <p:nvSpPr>
+          <p:cNvPr id="4" name="Rectangle 3"/>
+          <p:cNvSpPr/>
+          <p:nvPr/>
+        </p:nvSpPr>
+        <p:spPr>
+          <a:xfrm>
+            <a:off x="5226627" y="4094570"/>
+            <a:ext cx="7100455" cy="1818959"/>
+          </a:xfrm>
+          <a:prstGeom prst="rect">
+            <a:avLst/>
+          </a:prstGeom>
+        </p:spPr>
+        <p:txBody>
+          <a:bodyPr wrap="square">
+            <a:spAutoFit/>
+          </a:bodyPr>
+          <a:lstStyle/>
+          <a:p>
+            <a:pPr>
+              <a:lnSpc>
+                <a:spcPct val="110000"/>
+              </a:lnSpc>
+            </a:pPr>
+            <a:r>
+              <a:rPr lang="en-US" sz="3400" dirty="0" smtClean="0">
+                <a:latin typeface="Open Sans Light" panose="020B0306030504020204" pitchFamily="34" charset="0"/>
+                <a:ea typeface="Open Sans Light" panose="020B0306030504020204" pitchFamily="34" charset="0"/>
+                <a:cs typeface="Open Sans Light" panose="020B0306030504020204" pitchFamily="34" charset="0"/>
+              </a:rPr>
+              <a:t>Expectations</a:t>
+            </a:r>
+            <a:endParaRPr lang="en-US" sz="3400" dirty="0">
+              <a:latin typeface="Open Sans Light" panose="020B0306030504020204" pitchFamily="34" charset="0"/>
+              <a:ea typeface="Open Sans Light" panose="020B0306030504020204" pitchFamily="34" charset="0"/>
+              <a:cs typeface="Open Sans Light" panose="020B0306030504020204" pitchFamily="34" charset="0"/>
+            </a:endParaRPr>
+          </a:p>
+          <a:p>
+            <a:pPr>
+              <a:lnSpc>
+                <a:spcPct val="110000"/>
+              </a:lnSpc>
+            </a:pPr>
+            <a:r>
+              <a:rPr lang="en-US" sz="3400" dirty="0" smtClean="0">
+                <a:latin typeface="Open Sans Light" panose="020B0306030504020204" pitchFamily="34" charset="0"/>
+                <a:ea typeface="Open Sans Light" panose="020B0306030504020204" pitchFamily="34" charset="0"/>
+                <a:cs typeface="Open Sans Light" panose="020B0306030504020204" pitchFamily="34" charset="0"/>
+              </a:rPr>
+              <a:t>Castle </a:t>
+            </a:r>
+            <a:r>
+              <a:rPr lang="en-US" sz="3400" dirty="0">
+                <a:latin typeface="Open Sans Light" panose="020B0306030504020204" pitchFamily="34" charset="0"/>
+                <a:ea typeface="Open Sans Light" panose="020B0306030504020204" pitchFamily="34" charset="0"/>
+                <a:cs typeface="Open Sans Light" panose="020B0306030504020204" pitchFamily="34" charset="0"/>
+              </a:rPr>
+              <a:t>and </a:t>
+            </a:r>
+            <a:r>
+              <a:rPr lang="en-US" sz="3400" dirty="0" smtClean="0">
+                <a:latin typeface="Open Sans Light" panose="020B0306030504020204" pitchFamily="34" charset="0"/>
+                <a:ea typeface="Open Sans Light" panose="020B0306030504020204" pitchFamily="34" charset="0"/>
+                <a:cs typeface="Open Sans Light" panose="020B0306030504020204" pitchFamily="34" charset="0"/>
+              </a:rPr>
+              <a:t>stars</a:t>
+            </a:r>
+            <a:endParaRPr lang="en-US" sz="3400" dirty="0">
+              <a:latin typeface="Open Sans Light" panose="020B0306030504020204" pitchFamily="34" charset="0"/>
+              <a:ea typeface="Open Sans Light" panose="020B0306030504020204" pitchFamily="34" charset="0"/>
+              <a:cs typeface="Open Sans Light" panose="020B0306030504020204" pitchFamily="34" charset="0"/>
+            </a:endParaRPr>
+          </a:p>
+          <a:p>
+            <a:pPr>
+              <a:lnSpc>
+                <a:spcPct val="110000"/>
+              </a:lnSpc>
+            </a:pPr>
+            <a:r>
+              <a:rPr lang="en-US" sz="3400" dirty="0">
+                <a:latin typeface="Open Sans Light" panose="020B0306030504020204" pitchFamily="34" charset="0"/>
+                <a:ea typeface="Open Sans Light" panose="020B0306030504020204" pitchFamily="34" charset="0"/>
+                <a:cs typeface="Open Sans Light" panose="020B0306030504020204" pitchFamily="34" charset="0"/>
+              </a:rPr>
+              <a:t>Replaying</a:t>
+            </a:r>
           </a:p>
         </p:txBody>
       </p:sp>
@@ -8474,7 +8472,7 @@
                 <a:ea typeface="Open Sans Light" panose="020B0306030504020204" pitchFamily="34" charset="0"/>
                 <a:cs typeface="Open Sans Light" panose="020B0306030504020204" pitchFamily="34" charset="0"/>
               </a:rPr>
-              <a:t>Young Children lack exposure to Programming</a:t>
+              <a:t>Young children lack exposure to programming</a:t>
             </a:r>
             <a:endParaRPr lang="en-US" sz="4000" dirty="0">
               <a:latin typeface="Open Sans Light" panose="020B0306030504020204" pitchFamily="34" charset="0"/>
@@ -8629,8 +8627,8 @@
         </p:nvSpPr>
         <p:spPr>
           <a:xfrm>
-            <a:off x="1158585" y="2066058"/>
-            <a:ext cx="9874827" cy="4343399"/>
+            <a:off x="725976" y="2253093"/>
+            <a:ext cx="10740045" cy="4343399"/>
           </a:xfrm>
           <a:prstGeom prst="rect">
             <a:avLst/>
@@ -8638,7 +8636,7 @@
         </p:spPr>
         <p:txBody>
           <a:bodyPr vert="horz" lIns="91440" tIns="45720" rIns="91440" bIns="45720" rtlCol="0">
-            <a:normAutofit fontScale="92500" lnSpcReduction="20000"/>
+            <a:normAutofit fontScale="92500" lnSpcReduction="10000"/>
           </a:bodyPr>
           <a:lstStyle>
             <a:lvl1pPr marL="0" indent="0" algn="ctr" defTabSz="914400" rtl="0" eaLnBrk="1" latinLnBrk="0" hangingPunct="1">
@@ -9194,94 +9192,105 @@
           </a:lstStyle>
           <a:p>
             <a:r>
+              <a:rPr lang="en-US" sz="4000" dirty="0">
+                <a:latin typeface="Open Sans Light" panose="020B0306030504020204" pitchFamily="34" charset="0"/>
+                <a:ea typeface="Open Sans Light" panose="020B0306030504020204" pitchFamily="34" charset="0"/>
+                <a:cs typeface="Open Sans Light" panose="020B0306030504020204" pitchFamily="34" charset="0"/>
+              </a:rPr>
+              <a:t>Special thanks to:</a:t>
+            </a:r>
+          </a:p>
+          <a:p>
+            <a:r>
+              <a:rPr lang="en-US" sz="4000" dirty="0">
+                <a:latin typeface="Open Sans Light" panose="020B0306030504020204" pitchFamily="34" charset="0"/>
+                <a:ea typeface="Open Sans Light" panose="020B0306030504020204" pitchFamily="34" charset="0"/>
+                <a:cs typeface="Open Sans Light" panose="020B0306030504020204" pitchFamily="34" charset="0"/>
+              </a:rPr>
+              <a:t> </a:t>
+            </a:r>
+          </a:p>
+          <a:p>
+            <a:pPr algn="l"/>
+            <a:r>
+              <a:rPr lang="en-US" sz="4000" dirty="0">
+                <a:latin typeface="Open Sans Light" panose="020B0306030504020204" pitchFamily="34" charset="0"/>
+                <a:ea typeface="Open Sans Light" panose="020B0306030504020204" pitchFamily="34" charset="0"/>
+                <a:cs typeface="Open Sans Light" panose="020B0306030504020204" pitchFamily="34" charset="0"/>
+              </a:rPr>
+              <a:t>                   Mona Leigh Guha </a:t>
+            </a:r>
+            <a:r>
               <a:rPr lang="en-US" sz="4000" dirty="0" smtClean="0">
                 <a:latin typeface="Open Sans Light" panose="020B0306030504020204" pitchFamily="34" charset="0"/>
                 <a:ea typeface="Open Sans Light" panose="020B0306030504020204" pitchFamily="34" charset="0"/>
                 <a:cs typeface="Open Sans Light" panose="020B0306030504020204" pitchFamily="34" charset="0"/>
               </a:rPr>
-              <a:t>Special thanks to</a:t>
-            </a:r>
-          </a:p>
-          <a:p>
-            <a:r>
-              <a:rPr lang="en-US" sz="4000" dirty="0" smtClean="0">
-                <a:latin typeface="Open Sans Light" panose="020B0306030504020204" pitchFamily="34" charset="0"/>
-                <a:ea typeface="Open Sans Light" panose="020B0306030504020204" pitchFamily="34" charset="0"/>
-                <a:cs typeface="Open Sans Light" panose="020B0306030504020204" pitchFamily="34" charset="0"/>
-              </a:rPr>
-              <a:t> </a:t>
+              <a:t>&amp; Tammy </a:t>
+            </a:r>
+            <a:r>
+              <a:rPr lang="en-US" sz="4000" dirty="0">
+                <a:latin typeface="Open Sans Light" panose="020B0306030504020204" pitchFamily="34" charset="0"/>
+                <a:ea typeface="Open Sans Light" panose="020B0306030504020204" pitchFamily="34" charset="0"/>
+                <a:cs typeface="Open Sans Light" panose="020B0306030504020204" pitchFamily="34" charset="0"/>
+              </a:rPr>
+              <a:t>Clegg</a:t>
             </a:r>
           </a:p>
           <a:p>
             <a:pPr algn="l"/>
             <a:r>
-              <a:rPr lang="en-US" sz="4000" dirty="0" smtClean="0">
-                <a:latin typeface="Open Sans Light" panose="020B0306030504020204" pitchFamily="34" charset="0"/>
-                <a:ea typeface="Open Sans Light" panose="020B0306030504020204" pitchFamily="34" charset="0"/>
-                <a:cs typeface="Open Sans Light" panose="020B0306030504020204" pitchFamily="34" charset="0"/>
-              </a:rPr>
-              <a:t>                   Mona Leigh Guha and Tammy Clegg</a:t>
+              <a:rPr lang="en-US" sz="4000" dirty="0">
+                <a:latin typeface="Open Sans Light" panose="020B0306030504020204" pitchFamily="34" charset="0"/>
+                <a:ea typeface="Open Sans Light" panose="020B0306030504020204" pitchFamily="34" charset="0"/>
+                <a:cs typeface="Open Sans Light" panose="020B0306030504020204" pitchFamily="34" charset="0"/>
+              </a:rPr>
+              <a:t>                   Leah Findlater</a:t>
             </a:r>
           </a:p>
           <a:p>
             <a:pPr algn="l"/>
             <a:r>
-              <a:rPr lang="en-US" sz="4000" dirty="0" smtClean="0">
-                <a:latin typeface="Open Sans Light" panose="020B0306030504020204" pitchFamily="34" charset="0"/>
-                <a:ea typeface="Open Sans Light" panose="020B0306030504020204" pitchFamily="34" charset="0"/>
-                <a:cs typeface="Open Sans Light" panose="020B0306030504020204" pitchFamily="34" charset="0"/>
-              </a:rPr>
-              <a:t>                   Leah Findlater</a:t>
+              <a:rPr lang="en-US" sz="4000" dirty="0">
+                <a:latin typeface="Open Sans Light" panose="020B0306030504020204" pitchFamily="34" charset="0"/>
+                <a:ea typeface="Open Sans Light" panose="020B0306030504020204" pitchFamily="34" charset="0"/>
+                <a:cs typeface="Open Sans Light" panose="020B0306030504020204" pitchFamily="34" charset="0"/>
+              </a:rPr>
+              <a:t>                   Kidsteam</a:t>
             </a:r>
           </a:p>
           <a:p>
             <a:pPr algn="l"/>
             <a:r>
-              <a:rPr lang="en-US" sz="4000" dirty="0" smtClean="0">
-                <a:latin typeface="Open Sans Light" panose="020B0306030504020204" pitchFamily="34" charset="0"/>
-                <a:ea typeface="Open Sans Light" panose="020B0306030504020204" pitchFamily="34" charset="0"/>
-                <a:cs typeface="Open Sans Light" panose="020B0306030504020204" pitchFamily="34" charset="0"/>
-              </a:rPr>
-              <a:t>                   Kidsteam</a:t>
+              <a:rPr lang="en-US" sz="4000" dirty="0">
+                <a:latin typeface="Open Sans Light" panose="020B0306030504020204" pitchFamily="34" charset="0"/>
+                <a:ea typeface="Open Sans Light" panose="020B0306030504020204" pitchFamily="34" charset="0"/>
+                <a:cs typeface="Open Sans Light" panose="020B0306030504020204" pitchFamily="34" charset="0"/>
+              </a:rPr>
+              <a:t>                   CYC Faculty, Staff &amp; Children</a:t>
             </a:r>
           </a:p>
           <a:p>
             <a:pPr algn="l"/>
             <a:r>
-              <a:rPr lang="en-US" sz="4000" dirty="0" smtClean="0">
-                <a:latin typeface="Open Sans Light" panose="020B0306030504020204" pitchFamily="34" charset="0"/>
-                <a:ea typeface="Open Sans Light" panose="020B0306030504020204" pitchFamily="34" charset="0"/>
-                <a:cs typeface="Open Sans Light" panose="020B0306030504020204" pitchFamily="34" charset="0"/>
-              </a:rPr>
-              <a:t>                   CYC Faculty, Staff &amp; Children</a:t>
+              <a:rPr lang="en-US" sz="4000" dirty="0">
+                <a:latin typeface="Open Sans Light" panose="020B0306030504020204" pitchFamily="34" charset="0"/>
+                <a:ea typeface="Open Sans Light" panose="020B0306030504020204" pitchFamily="34" charset="0"/>
+                <a:cs typeface="Open Sans Light" panose="020B0306030504020204" pitchFamily="34" charset="0"/>
+              </a:rPr>
+              <a:t>                   My Classmates</a:t>
             </a:r>
           </a:p>
           <a:p>
             <a:pPr algn="l"/>
             <a:r>
-              <a:rPr lang="en-US" sz="4000" dirty="0" smtClean="0">
-                <a:latin typeface="Open Sans Light" panose="020B0306030504020204" pitchFamily="34" charset="0"/>
-                <a:ea typeface="Open Sans Light" panose="020B0306030504020204" pitchFamily="34" charset="0"/>
-                <a:cs typeface="Open Sans Light" panose="020B0306030504020204" pitchFamily="34" charset="0"/>
-              </a:rPr>
-              <a:t>                   My Classmates</a:t>
-            </a:r>
-          </a:p>
-          <a:p>
-            <a:pPr algn="l"/>
-            <a:r>
-              <a:rPr lang="en-US" sz="4000" dirty="0" smtClean="0">
+              <a:rPr lang="en-US" sz="4000" dirty="0">
                 <a:latin typeface="Open Sans Light" panose="020B0306030504020204" pitchFamily="34" charset="0"/>
                 <a:ea typeface="Open Sans Light" panose="020B0306030504020204" pitchFamily="34" charset="0"/>
                 <a:cs typeface="Open Sans Light" panose="020B0306030504020204" pitchFamily="34" charset="0"/>
               </a:rPr>
               <a:t>                   HCIL</a:t>
             </a:r>
-            <a:endParaRPr lang="en-US" sz="4000" dirty="0">
-              <a:latin typeface="Open Sans Light" panose="020B0306030504020204" pitchFamily="34" charset="0"/>
-              <a:ea typeface="Open Sans Light" panose="020B0306030504020204" pitchFamily="34" charset="0"/>
-              <a:cs typeface="Open Sans Light" panose="020B0306030504020204" pitchFamily="34" charset="0"/>
-            </a:endParaRPr>
           </a:p>
         </p:txBody>
       </p:sp>
@@ -9636,7 +9645,7 @@
                 <a:ea typeface="Open Sans Light" panose="020B0306030504020204" pitchFamily="34" charset="0"/>
                 <a:cs typeface="Open Sans Light" panose="020B0306030504020204" pitchFamily="34" charset="0"/>
               </a:rPr>
-              <a:t>Harnessing the full potential of Computers</a:t>
+              <a:t>Harnessing the full potential of computers</a:t>
             </a:r>
             <a:r>
               <a:rPr lang="en-US" sz="3400" baseline="30000" dirty="0" smtClean="0">
@@ -10976,7 +10985,7 @@
                 <a:ea typeface="Open Sans Light" panose="020B0306030504020204" pitchFamily="34" charset="0"/>
                 <a:cs typeface="Open Sans Light" panose="020B0306030504020204" pitchFamily="34" charset="0"/>
               </a:rPr>
-              <a:t>Easy to use – Soon in Classrooms – Easily available</a:t>
+              <a:t>Easy to use – Soon in classrooms – Easily available</a:t>
             </a:r>
             <a:endParaRPr lang="en-US" sz="3400" dirty="0">
               <a:latin typeface="Open Sans Light" panose="020B0306030504020204" pitchFamily="34" charset="0"/>
@@ -11429,15 +11438,7 @@
                 <a:ea typeface="Open Sans Light" panose="020B0306030504020204" pitchFamily="34" charset="0"/>
                 <a:cs typeface="Open Sans Light" panose="020B0306030504020204" pitchFamily="34" charset="0"/>
               </a:rPr>
-              <a:t>Research</a:t>
-            </a:r>
-            <a:r>
-              <a:rPr lang="en-US" sz="3400" b="1" dirty="0" smtClean="0">
-                <a:latin typeface="Open Sans Light" panose="020B0306030504020204" pitchFamily="34" charset="0"/>
-                <a:ea typeface="Open Sans Light" panose="020B0306030504020204" pitchFamily="34" charset="0"/>
-                <a:cs typeface="Open Sans Light" panose="020B0306030504020204" pitchFamily="34" charset="0"/>
-              </a:rPr>
-              <a:t>-focused </a:t>
+              <a:t>Research-focused </a:t>
             </a:r>
             <a:br>
               <a:rPr lang="en-US" sz="3400" b="1" dirty="0" smtClean="0">
@@ -11689,7 +11690,7 @@
         </p:nvSpPr>
         <p:spPr>
           <a:xfrm>
-            <a:off x="468405" y="1855695"/>
+            <a:off x="468405" y="2029283"/>
             <a:ext cx="11255188" cy="5195455"/>
           </a:xfrm>
           <a:prstGeom prst="rect">
@@ -11698,7 +11699,7 @@
         </p:spPr>
         <p:txBody>
           <a:bodyPr vert="horz" lIns="91440" tIns="45720" rIns="91440" bIns="45720" rtlCol="0">
-            <a:normAutofit fontScale="85000" lnSpcReduction="20000"/>
+            <a:normAutofit/>
           </a:bodyPr>
           <a:lstStyle>
             <a:lvl1pPr marL="0" indent="0" algn="ctr" defTabSz="914400" rtl="0" eaLnBrk="1" latinLnBrk="0" hangingPunct="1">
@@ -11872,15 +11873,7 @@
                 <a:ea typeface="Open Sans Light" panose="020B0306030504020204" pitchFamily="34" charset="0"/>
                 <a:cs typeface="Open Sans Light" panose="020B0306030504020204" pitchFamily="34" charset="0"/>
               </a:rPr>
-              <a:t>Initial Taxonomy</a:t>
-            </a:r>
-            <a:r>
-              <a:rPr lang="en-US" sz="3400" dirty="0">
-                <a:latin typeface="Open Sans Light" panose="020B0306030504020204" pitchFamily="34" charset="0"/>
-                <a:ea typeface="Open Sans Light" panose="020B0306030504020204" pitchFamily="34" charset="0"/>
-                <a:cs typeface="Open Sans Light" panose="020B0306030504020204" pitchFamily="34" charset="0"/>
-              </a:rPr>
-              <a:t> </a:t>
+              <a:t>Morgado and Cruz</a:t>
             </a:r>
             <a:r>
               <a:rPr lang="en-US" sz="3400" i="1" dirty="0" smtClean="0">
@@ -11888,7 +11881,7 @@
                 <a:ea typeface="Open Sans Light" panose="020B0306030504020204" pitchFamily="34" charset="0"/>
                 <a:cs typeface="Open Sans Light" panose="020B0306030504020204" pitchFamily="34" charset="0"/>
               </a:rPr>
-              <a:t>by Morgado and Cruz</a:t>
+              <a:t/>
             </a:r>
             <a:br>
               <a:rPr lang="en-US" sz="3400" i="1" dirty="0" smtClean="0">
@@ -11907,13 +11900,6 @@
             </a:r>
           </a:p>
           <a:p>
-            <a:endParaRPr lang="en-US" sz="3400" dirty="0" smtClean="0">
-              <a:latin typeface="Open Sans Light" panose="020B0306030504020204" pitchFamily="34" charset="0"/>
-              <a:ea typeface="Open Sans Light" panose="020B0306030504020204" pitchFamily="34" charset="0"/>
-              <a:cs typeface="Open Sans Light" panose="020B0306030504020204" pitchFamily="34" charset="0"/>
-            </a:endParaRPr>
-          </a:p>
-          <a:p>
             <a:pPr algn="l"/>
             <a:r>
               <a:rPr lang="en-US" sz="3400" b="1" dirty="0" smtClean="0">
@@ -11942,8 +11928,8 @@
           </a:p>
           <a:p>
             <a:pPr marL="514350" indent="-514350" algn="l">
-              <a:buFont typeface="+mj-lt"/>
-              <a:buAutoNum type="arabicPeriod"/>
+              <a:buFont typeface="Arial" panose="020B0604020202020204" pitchFamily="34" charset="0"/>
+              <a:buChar char="•"/>
             </a:pPr>
             <a:r>
               <a:rPr lang="en-US" sz="3400" dirty="0" smtClean="0">
@@ -11956,8 +11942,8 @@
           </a:p>
           <a:p>
             <a:pPr marL="514350" indent="-514350" algn="l">
-              <a:buFont typeface="+mj-lt"/>
-              <a:buAutoNum type="arabicPeriod"/>
+              <a:buFont typeface="Arial" panose="020B0604020202020204" pitchFamily="34" charset="0"/>
+              <a:buChar char="•"/>
             </a:pPr>
             <a:r>
               <a:rPr lang="en-US" sz="3400" dirty="0" smtClean="0">
@@ -11965,13 +11951,13 @@
                 <a:ea typeface="Open Sans Light" panose="020B0306030504020204" pitchFamily="34" charset="0"/>
                 <a:cs typeface="Open Sans Light" panose="020B0306030504020204" pitchFamily="34" charset="0"/>
               </a:rPr>
-              <a:t>Achieving specific outcomes through programming</a:t>
+              <a:t>Specific Outcomes</a:t>
             </a:r>
           </a:p>
           <a:p>
             <a:pPr marL="514350" indent="-514350" algn="l">
-              <a:buFont typeface="+mj-lt"/>
-              <a:buAutoNum type="arabicPeriod"/>
+              <a:buFont typeface="Arial" panose="020B0604020202020204" pitchFamily="34" charset="0"/>
+              <a:buChar char="•"/>
             </a:pPr>
             <a:r>
               <a:rPr lang="en-US" sz="3400" dirty="0" smtClean="0">
@@ -11980,48 +11966,6 @@
                 <a:cs typeface="Open Sans Light" panose="020B0306030504020204" pitchFamily="34" charset="0"/>
               </a:rPr>
               <a:t>Reusing parts</a:t>
-            </a:r>
-          </a:p>
-          <a:p>
-            <a:pPr marL="514350" indent="-514350" algn="l">
-              <a:buFont typeface="+mj-lt"/>
-              <a:buAutoNum type="arabicPeriod"/>
-            </a:pPr>
-            <a:r>
-              <a:rPr lang="en-US" sz="3400" dirty="0" smtClean="0">
-                <a:latin typeface="Open Sans Light" panose="020B0306030504020204" pitchFamily="34" charset="0"/>
-                <a:ea typeface="Open Sans Light" panose="020B0306030504020204" pitchFamily="34" charset="0"/>
-                <a:cs typeface="Open Sans Light" panose="020B0306030504020204" pitchFamily="34" charset="0"/>
-              </a:rPr>
-              <a:t>Debugging</a:t>
-            </a:r>
-          </a:p>
-          <a:p>
-            <a:pPr marL="514350" indent="-514350" algn="l">
-              <a:buFont typeface="+mj-lt"/>
-              <a:buAutoNum type="arabicPeriod"/>
-            </a:pPr>
-            <a:r>
-              <a:rPr lang="en-US" sz="3400" dirty="0" smtClean="0">
-                <a:latin typeface="Open Sans Light" panose="020B0306030504020204" pitchFamily="34" charset="0"/>
-                <a:ea typeface="Open Sans Light" panose="020B0306030504020204" pitchFamily="34" charset="0"/>
-                <a:cs typeface="Open Sans Light" panose="020B0306030504020204" pitchFamily="34" charset="0"/>
-              </a:rPr>
-              <a:t>Planning</a:t>
-            </a:r>
-          </a:p>
-          <a:p>
-            <a:pPr marL="514350" indent="-514350" algn="l">
-              <a:buFont typeface="+mj-lt"/>
-              <a:buAutoNum type="arabicPeriod"/>
-            </a:pPr>
-            <a:r>
-              <a:rPr lang="en-US" sz="3400" dirty="0" smtClean="0">
-                <a:latin typeface="Open Sans Light" panose="020B0306030504020204" pitchFamily="34" charset="0"/>
-                <a:ea typeface="Open Sans Light" panose="020B0306030504020204" pitchFamily="34" charset="0"/>
-                <a:cs typeface="Open Sans Light" panose="020B0306030504020204" pitchFamily="34" charset="0"/>
-              </a:rPr>
-              <a:t>Building and comparing alternative solutions</a:t>
             </a:r>
           </a:p>
           <a:p>
@@ -12041,6 +11985,70 @@
               <a:ea typeface="Open Sans Light" panose="020B0306030504020204" pitchFamily="34" charset="0"/>
               <a:cs typeface="Open Sans Light" panose="020B0306030504020204" pitchFamily="34" charset="0"/>
             </a:endParaRPr>
+          </a:p>
+        </p:txBody>
+      </p:sp>
+      <p:sp>
+        <p:nvSpPr>
+          <p:cNvPr id="4" name="Rectangle 3"/>
+          <p:cNvSpPr/>
+          <p:nvPr/>
+        </p:nvSpPr>
+        <p:spPr>
+          <a:xfrm>
+            <a:off x="6095999" y="4150895"/>
+            <a:ext cx="6669506" cy="1661993"/>
+          </a:xfrm>
+          <a:prstGeom prst="rect">
+            <a:avLst/>
+          </a:prstGeom>
+        </p:spPr>
+        <p:txBody>
+          <a:bodyPr wrap="square">
+            <a:spAutoFit/>
+          </a:bodyPr>
+          <a:lstStyle/>
+          <a:p>
+            <a:pPr marL="514350" indent="-514350">
+              <a:buFont typeface="Arial" panose="020B0604020202020204" pitchFamily="34" charset="0"/>
+              <a:buChar char="•"/>
+            </a:pPr>
+            <a:r>
+              <a:rPr lang="en-US" sz="3400" dirty="0">
+                <a:latin typeface="Open Sans Light" panose="020B0306030504020204" pitchFamily="34" charset="0"/>
+                <a:ea typeface="Open Sans Light" panose="020B0306030504020204" pitchFamily="34" charset="0"/>
+                <a:cs typeface="Open Sans Light" panose="020B0306030504020204" pitchFamily="34" charset="0"/>
+              </a:rPr>
+              <a:t>Debugging</a:t>
+            </a:r>
+          </a:p>
+          <a:p>
+            <a:pPr marL="514350" indent="-514350">
+              <a:buFont typeface="Arial" panose="020B0604020202020204" pitchFamily="34" charset="0"/>
+              <a:buChar char="•"/>
+            </a:pPr>
+            <a:r>
+              <a:rPr lang="en-US" sz="3400" dirty="0">
+                <a:latin typeface="Open Sans Light" panose="020B0306030504020204" pitchFamily="34" charset="0"/>
+                <a:ea typeface="Open Sans Light" panose="020B0306030504020204" pitchFamily="34" charset="0"/>
+                <a:cs typeface="Open Sans Light" panose="020B0306030504020204" pitchFamily="34" charset="0"/>
+              </a:rPr>
+              <a:t>Planning</a:t>
+            </a:r>
+          </a:p>
+          <a:p>
+            <a:pPr marL="514350" indent="-514350">
+              <a:buFont typeface="Arial" panose="020B0604020202020204" pitchFamily="34" charset="0"/>
+              <a:buChar char="•"/>
+            </a:pPr>
+            <a:r>
+              <a:rPr lang="en-US" sz="3400" dirty="0">
+                <a:latin typeface="Open Sans Light" panose="020B0306030504020204" pitchFamily="34" charset="0"/>
+                <a:ea typeface="Open Sans Light" panose="020B0306030504020204" pitchFamily="34" charset="0"/>
+                <a:cs typeface="Open Sans Light" panose="020B0306030504020204" pitchFamily="34" charset="0"/>
+              </a:rPr>
+              <a:t>Alternative solutions</a:t>
+            </a:r>
           </a:p>
         </p:txBody>
       </p:sp>
@@ -13083,38 +13091,143 @@
           </a:lstStyle>
           <a:p>
             <a:r>
+              <a:rPr lang="en-US" sz="3400" dirty="0">
+                <a:latin typeface="Open Sans Light" panose="020B0306030504020204" pitchFamily="34" charset="0"/>
+                <a:ea typeface="Open Sans Light" panose="020B0306030504020204" pitchFamily="34" charset="0"/>
+                <a:cs typeface="Open Sans Light" panose="020B0306030504020204" pitchFamily="34" charset="0"/>
+              </a:rPr>
+              <a:t>Children-Adult Design Partnership</a:t>
+            </a:r>
+            <a:br>
+              <a:rPr lang="en-US" sz="3400" dirty="0">
+                <a:latin typeface="Open Sans Light" panose="020B0306030504020204" pitchFamily="34" charset="0"/>
+                <a:ea typeface="Open Sans Light" panose="020B0306030504020204" pitchFamily="34" charset="0"/>
+                <a:cs typeface="Open Sans Light" panose="020B0306030504020204" pitchFamily="34" charset="0"/>
+              </a:rPr>
+            </a:br>
+            <a:r>
               <a:rPr lang="en-US" sz="3400" dirty="0" smtClean="0">
                 <a:latin typeface="Open Sans Light" panose="020B0306030504020204" pitchFamily="34" charset="0"/>
                 <a:ea typeface="Open Sans Light" panose="020B0306030504020204" pitchFamily="34" charset="0"/>
                 <a:cs typeface="Open Sans Light" panose="020B0306030504020204" pitchFamily="34" charset="0"/>
               </a:rPr>
-              <a:t>Children-Adult Design Partnership</a:t>
-            </a:r>
-            <a:br>
+              <a:t>7 Adults, 8 </a:t>
+            </a:r>
+            <a:r>
+              <a:rPr lang="en-US" sz="3400" dirty="0">
+                <a:latin typeface="Open Sans Light" panose="020B0306030504020204" pitchFamily="34" charset="0"/>
+                <a:ea typeface="Open Sans Light" panose="020B0306030504020204" pitchFamily="34" charset="0"/>
+                <a:cs typeface="Open Sans Light" panose="020B0306030504020204" pitchFamily="34" charset="0"/>
+              </a:rPr>
+              <a:t>Children, ages 7-11</a:t>
+            </a:r>
+          </a:p>
+          <a:p>
+            <a:pPr algn="l"/>
+            <a:r>
+              <a:rPr lang="en-US" sz="3400" b="1" u="sng" dirty="0">
+                <a:latin typeface="Open Sans Light" panose="020B0306030504020204" pitchFamily="34" charset="0"/>
+                <a:ea typeface="Open Sans Light" panose="020B0306030504020204" pitchFamily="34" charset="0"/>
+                <a:cs typeface="Open Sans Light" panose="020B0306030504020204" pitchFamily="34" charset="0"/>
+              </a:rPr>
+              <a:t>Session 1</a:t>
+            </a:r>
+            <a:r>
+              <a:rPr lang="en-US" sz="3400" dirty="0">
+                <a:latin typeface="Open Sans Light" panose="020B0306030504020204" pitchFamily="34" charset="0"/>
+                <a:ea typeface="Open Sans Light" panose="020B0306030504020204" pitchFamily="34" charset="0"/>
+                <a:cs typeface="Open Sans Light" panose="020B0306030504020204" pitchFamily="34" charset="0"/>
+              </a:rPr>
+              <a:t>: Robot activity and drawing (1h)</a:t>
+            </a:r>
+          </a:p>
+          <a:p>
+            <a:pPr algn="l"/>
+            <a:r>
+              <a:rPr lang="en-US" sz="3400" b="1" u="sng" dirty="0">
+                <a:latin typeface="Open Sans Light" panose="020B0306030504020204" pitchFamily="34" charset="0"/>
+                <a:ea typeface="Open Sans Light" panose="020B0306030504020204" pitchFamily="34" charset="0"/>
+                <a:cs typeface="Open Sans Light" panose="020B0306030504020204" pitchFamily="34" charset="0"/>
+              </a:rPr>
+              <a:t>Goal</a:t>
+            </a:r>
+            <a:r>
+              <a:rPr lang="en-US" sz="3400" dirty="0">
+                <a:latin typeface="Open Sans Light" panose="020B0306030504020204" pitchFamily="34" charset="0"/>
+                <a:ea typeface="Open Sans Light" panose="020B0306030504020204" pitchFamily="34" charset="0"/>
+                <a:cs typeface="Open Sans Light" panose="020B0306030504020204" pitchFamily="34" charset="0"/>
+              </a:rPr>
+              <a:t>: </a:t>
+            </a:r>
+            <a:r>
               <a:rPr lang="en-US" sz="3400" dirty="0" smtClean="0">
                 <a:latin typeface="Open Sans Light" panose="020B0306030504020204" pitchFamily="34" charset="0"/>
                 <a:ea typeface="Open Sans Light" panose="020B0306030504020204" pitchFamily="34" charset="0"/>
                 <a:cs typeface="Open Sans Light" panose="020B0306030504020204" pitchFamily="34" charset="0"/>
               </a:rPr>
-            </a:br>
+              <a:t>         Initial </a:t>
+            </a:r>
+            <a:r>
+              <a:rPr lang="en-US" sz="3400" dirty="0">
+                <a:latin typeface="Open Sans Light" panose="020B0306030504020204" pitchFamily="34" charset="0"/>
+                <a:ea typeface="Open Sans Light" panose="020B0306030504020204" pitchFamily="34" charset="0"/>
+                <a:cs typeface="Open Sans Light" panose="020B0306030504020204" pitchFamily="34" charset="0"/>
+              </a:rPr>
+              <a:t>Wireframe, Lots of ideas</a:t>
+            </a:r>
+          </a:p>
+          <a:p>
+            <a:pPr algn="l"/>
+            <a:r>
+              <a:rPr lang="en-US" sz="3400" b="1" u="sng" dirty="0">
+                <a:latin typeface="Open Sans Light" panose="020B0306030504020204" pitchFamily="34" charset="0"/>
+                <a:ea typeface="Open Sans Light" panose="020B0306030504020204" pitchFamily="34" charset="0"/>
+                <a:cs typeface="Open Sans Light" panose="020B0306030504020204" pitchFamily="34" charset="0"/>
+              </a:rPr>
+              <a:t>Analysis</a:t>
+            </a:r>
+            <a:r>
+              <a:rPr lang="en-US" sz="3400" dirty="0">
+                <a:latin typeface="Open Sans Light" panose="020B0306030504020204" pitchFamily="34" charset="0"/>
+                <a:ea typeface="Open Sans Light" panose="020B0306030504020204" pitchFamily="34" charset="0"/>
+                <a:cs typeface="Open Sans Light" panose="020B0306030504020204" pitchFamily="34" charset="0"/>
+              </a:rPr>
+              <a:t>: </a:t>
+            </a:r>
             <a:r>
               <a:rPr lang="en-US" sz="3400" dirty="0" smtClean="0">
                 <a:latin typeface="Open Sans Light" panose="020B0306030504020204" pitchFamily="34" charset="0"/>
                 <a:ea typeface="Open Sans Light" panose="020B0306030504020204" pitchFamily="34" charset="0"/>
                 <a:cs typeface="Open Sans Light" panose="020B0306030504020204" pitchFamily="34" charset="0"/>
               </a:rPr>
-              <a:t>8 Children, ages 7-11</a:t>
+              <a:t>   Big </a:t>
+            </a:r>
+            <a:r>
+              <a:rPr lang="en-US" sz="3400" dirty="0">
+                <a:latin typeface="Open Sans Light" panose="020B0306030504020204" pitchFamily="34" charset="0"/>
+                <a:ea typeface="Open Sans Light" panose="020B0306030504020204" pitchFamily="34" charset="0"/>
+                <a:cs typeface="Open Sans Light" panose="020B0306030504020204" pitchFamily="34" charset="0"/>
+              </a:rPr>
+              <a:t>ideas, Debriefing, Observing themes</a:t>
             </a:r>
           </a:p>
           <a:p>
             <a:pPr algn="l"/>
             <a:r>
-              <a:rPr lang="en-US" sz="3400" b="1" u="sng" dirty="0" smtClean="0">
-                <a:latin typeface="Open Sans Light" panose="020B0306030504020204" pitchFamily="34" charset="0"/>
-                <a:ea typeface="Open Sans Light" panose="020B0306030504020204" pitchFamily="34" charset="0"/>
-                <a:cs typeface="Open Sans Light" panose="020B0306030504020204" pitchFamily="34" charset="0"/>
-              </a:rPr>
-              <a:t>Session 1</a:t>
+              <a:rPr lang="en-US" sz="3400" b="1" u="sng" dirty="0">
+                <a:latin typeface="Open Sans Light" panose="020B0306030504020204" pitchFamily="34" charset="0"/>
+                <a:ea typeface="Open Sans Light" panose="020B0306030504020204" pitchFamily="34" charset="0"/>
+                <a:cs typeface="Open Sans Light" panose="020B0306030504020204" pitchFamily="34" charset="0"/>
+              </a:rPr>
+              <a:t>Results</a:t>
+            </a:r>
+            <a:r>
+              <a:rPr lang="en-US" sz="3400" dirty="0">
+                <a:latin typeface="Open Sans Light" panose="020B0306030504020204" pitchFamily="34" charset="0"/>
+                <a:ea typeface="Open Sans Light" panose="020B0306030504020204" pitchFamily="34" charset="0"/>
+                <a:cs typeface="Open Sans Light" panose="020B0306030504020204" pitchFamily="34" charset="0"/>
+              </a:rPr>
+              <a:t>: </a:t>
             </a:r>
             <a:r>
               <a:rPr lang="en-US" sz="3400" dirty="0" smtClean="0">
@@ -13122,159 +13235,113 @@
                 <a:ea typeface="Open Sans Light" panose="020B0306030504020204" pitchFamily="34" charset="0"/>
                 <a:cs typeface="Open Sans Light" panose="020B0306030504020204" pitchFamily="34" charset="0"/>
               </a:rPr>
-              <a:t>: Robot activity and drawing (1h)</a:t>
-            </a:r>
-          </a:p>
-          <a:p>
-            <a:pPr algn="l"/>
-            <a:r>
-              <a:rPr lang="en-US" sz="3400" b="1" u="sng" dirty="0" smtClean="0">
-                <a:latin typeface="Open Sans Light" panose="020B0306030504020204" pitchFamily="34" charset="0"/>
-                <a:ea typeface="Open Sans Light" panose="020B0306030504020204" pitchFamily="34" charset="0"/>
-                <a:cs typeface="Open Sans Light" panose="020B0306030504020204" pitchFamily="34" charset="0"/>
-              </a:rPr>
-              <a:t>Goal</a:t>
-            </a:r>
-            <a:r>
-              <a:rPr lang="en-US" sz="3400" dirty="0" smtClean="0">
-                <a:latin typeface="Open Sans Light" panose="020B0306030504020204" pitchFamily="34" charset="0"/>
-                <a:ea typeface="Open Sans Light" panose="020B0306030504020204" pitchFamily="34" charset="0"/>
-                <a:cs typeface="Open Sans Light" panose="020B0306030504020204" pitchFamily="34" charset="0"/>
-              </a:rPr>
-              <a:t>: Initial Wireframe, Lots of ideas</a:t>
-            </a:r>
-          </a:p>
-          <a:p>
-            <a:pPr algn="l"/>
-            <a:r>
-              <a:rPr lang="en-US" sz="3400" b="1" u="sng" dirty="0" smtClean="0">
-                <a:latin typeface="Open Sans Light" panose="020B0306030504020204" pitchFamily="34" charset="0"/>
-                <a:ea typeface="Open Sans Light" panose="020B0306030504020204" pitchFamily="34" charset="0"/>
-                <a:cs typeface="Open Sans Light" panose="020B0306030504020204" pitchFamily="34" charset="0"/>
-              </a:rPr>
-              <a:t>Analysis</a:t>
-            </a:r>
-            <a:r>
-              <a:rPr lang="en-US" sz="3400" dirty="0" smtClean="0">
-                <a:latin typeface="Open Sans Light" panose="020B0306030504020204" pitchFamily="34" charset="0"/>
-                <a:ea typeface="Open Sans Light" panose="020B0306030504020204" pitchFamily="34" charset="0"/>
-                <a:cs typeface="Open Sans Light" panose="020B0306030504020204" pitchFamily="34" charset="0"/>
-              </a:rPr>
-              <a:t>: Big ideas, Debriefing, Observing themes</a:t>
-            </a:r>
-          </a:p>
-          <a:p>
-            <a:pPr algn="l"/>
-            <a:r>
-              <a:rPr lang="en-US" sz="3400" b="1" u="sng" dirty="0" smtClean="0">
-                <a:latin typeface="Open Sans Light" panose="020B0306030504020204" pitchFamily="34" charset="0"/>
-                <a:ea typeface="Open Sans Light" panose="020B0306030504020204" pitchFamily="34" charset="0"/>
-                <a:cs typeface="Open Sans Light" panose="020B0306030504020204" pitchFamily="34" charset="0"/>
-              </a:rPr>
-              <a:t>Results</a:t>
-            </a:r>
-            <a:r>
-              <a:rPr lang="en-US" sz="3400" dirty="0" smtClean="0">
-                <a:latin typeface="Open Sans Light" panose="020B0306030504020204" pitchFamily="34" charset="0"/>
-                <a:ea typeface="Open Sans Light" panose="020B0306030504020204" pitchFamily="34" charset="0"/>
-                <a:cs typeface="Open Sans Light" panose="020B0306030504020204" pitchFamily="34" charset="0"/>
-              </a:rPr>
-              <a:t>: </a:t>
-            </a:r>
-            <a:r>
-              <a:rPr lang="en-US" sz="3400" b="1" dirty="0" smtClean="0">
-                <a:latin typeface="Open Sans Light" panose="020B0306030504020204" pitchFamily="34" charset="0"/>
-                <a:ea typeface="Open Sans Light" panose="020B0306030504020204" pitchFamily="34" charset="0"/>
-                <a:cs typeface="Open Sans Light" panose="020B0306030504020204" pitchFamily="34" charset="0"/>
-              </a:rPr>
-              <a:t>GAME</a:t>
-            </a:r>
-          </a:p>
-          <a:p>
-            <a:pPr algn="l"/>
-            <a:r>
-              <a:rPr lang="en-US" sz="3400" dirty="0">
-                <a:latin typeface="Open Sans Light" panose="020B0306030504020204" pitchFamily="34" charset="0"/>
-                <a:ea typeface="Open Sans Light" panose="020B0306030504020204" pitchFamily="34" charset="0"/>
-                <a:cs typeface="Open Sans Light" panose="020B0306030504020204" pitchFamily="34" charset="0"/>
-              </a:rPr>
-              <a:t> </a:t>
-            </a:r>
-            <a:r>
-              <a:rPr lang="en-US" sz="3400" dirty="0" smtClean="0">
-                <a:latin typeface="Open Sans Light" panose="020B0306030504020204" pitchFamily="34" charset="0"/>
-                <a:ea typeface="Open Sans Light" panose="020B0306030504020204" pitchFamily="34" charset="0"/>
-                <a:cs typeface="Open Sans Light" panose="020B0306030504020204" pitchFamily="34" charset="0"/>
-              </a:rPr>
-              <a:t>             Separate levels</a:t>
-            </a:r>
-          </a:p>
-          <a:p>
-            <a:pPr algn="l"/>
-            <a:r>
-              <a:rPr lang="en-US" sz="3400" dirty="0">
-                <a:latin typeface="Open Sans Light" panose="020B0306030504020204" pitchFamily="34" charset="0"/>
-                <a:ea typeface="Open Sans Light" panose="020B0306030504020204" pitchFamily="34" charset="0"/>
-                <a:cs typeface="Open Sans Light" panose="020B0306030504020204" pitchFamily="34" charset="0"/>
-              </a:rPr>
-              <a:t> </a:t>
-            </a:r>
-            <a:r>
-              <a:rPr lang="en-US" sz="3400" dirty="0" smtClean="0">
-                <a:latin typeface="Open Sans Light" panose="020B0306030504020204" pitchFamily="34" charset="0"/>
-                <a:ea typeface="Open Sans Light" panose="020B0306030504020204" pitchFamily="34" charset="0"/>
-                <a:cs typeface="Open Sans Light" panose="020B0306030504020204" pitchFamily="34" charset="0"/>
-              </a:rPr>
-              <a:t>             Customizability &amp; Upgrades</a:t>
-            </a:r>
-          </a:p>
-          <a:p>
-            <a:pPr algn="l"/>
-            <a:r>
-              <a:rPr lang="en-US" sz="3400" dirty="0">
-                <a:latin typeface="Open Sans Light" panose="020B0306030504020204" pitchFamily="34" charset="0"/>
-                <a:ea typeface="Open Sans Light" panose="020B0306030504020204" pitchFamily="34" charset="0"/>
-                <a:cs typeface="Open Sans Light" panose="020B0306030504020204" pitchFamily="34" charset="0"/>
-              </a:rPr>
-              <a:t> </a:t>
-            </a:r>
-            <a:r>
-              <a:rPr lang="en-US" sz="3400" dirty="0" smtClean="0">
-                <a:latin typeface="Open Sans Light" panose="020B0306030504020204" pitchFamily="34" charset="0"/>
-                <a:ea typeface="Open Sans Light" panose="020B0306030504020204" pitchFamily="34" charset="0"/>
-                <a:cs typeface="Open Sans Light" panose="020B0306030504020204" pitchFamily="34" charset="0"/>
-              </a:rPr>
-              <a:t>             Collecting Items</a:t>
-            </a:r>
-          </a:p>
-          <a:p>
-            <a:pPr algn="l"/>
-            <a:r>
-              <a:rPr lang="en-US" sz="3400" dirty="0">
-                <a:latin typeface="Open Sans Light" panose="020B0306030504020204" pitchFamily="34" charset="0"/>
-                <a:ea typeface="Open Sans Light" panose="020B0306030504020204" pitchFamily="34" charset="0"/>
-                <a:cs typeface="Open Sans Light" panose="020B0306030504020204" pitchFamily="34" charset="0"/>
-              </a:rPr>
-              <a:t> </a:t>
-            </a:r>
-            <a:r>
-              <a:rPr lang="en-US" sz="3400" dirty="0" smtClean="0">
-                <a:latin typeface="Open Sans Light" panose="020B0306030504020204" pitchFamily="34" charset="0"/>
-                <a:ea typeface="Open Sans Light" panose="020B0306030504020204" pitchFamily="34" charset="0"/>
-                <a:cs typeface="Open Sans Light" panose="020B0306030504020204" pitchFamily="34" charset="0"/>
-              </a:rPr>
-              <a:t>             Robots &amp; Castles</a:t>
-            </a:r>
-          </a:p>
-          <a:p>
-            <a:pPr algn="l"/>
-            <a:endParaRPr lang="en-US" sz="3400" b="1" u="sng" dirty="0" smtClean="0">
+              <a:t>    Game</a:t>
+            </a:r>
+            <a:endParaRPr lang="en-US" sz="3400" dirty="0">
               <a:latin typeface="Open Sans Light" panose="020B0306030504020204" pitchFamily="34" charset="0"/>
               <a:ea typeface="Open Sans Light" panose="020B0306030504020204" pitchFamily="34" charset="0"/>
               <a:cs typeface="Open Sans Light" panose="020B0306030504020204" pitchFamily="34" charset="0"/>
             </a:endParaRPr>
           </a:p>
           <a:p>
+            <a:pPr algn="l"/>
+            <a:r>
+              <a:rPr lang="en-US" sz="3400" dirty="0">
+                <a:latin typeface="Open Sans Light" panose="020B0306030504020204" pitchFamily="34" charset="0"/>
+                <a:ea typeface="Open Sans Light" panose="020B0306030504020204" pitchFamily="34" charset="0"/>
+                <a:cs typeface="Open Sans Light" panose="020B0306030504020204" pitchFamily="34" charset="0"/>
+              </a:rPr>
+              <a:t>             </a:t>
+            </a:r>
+            <a:r>
+              <a:rPr lang="en-US" sz="3400" dirty="0" smtClean="0">
+                <a:latin typeface="Open Sans Light" panose="020B0306030504020204" pitchFamily="34" charset="0"/>
+                <a:ea typeface="Open Sans Light" panose="020B0306030504020204" pitchFamily="34" charset="0"/>
+                <a:cs typeface="Open Sans Light" panose="020B0306030504020204" pitchFamily="34" charset="0"/>
+              </a:rPr>
+              <a:t>      Separate </a:t>
+            </a:r>
+            <a:r>
+              <a:rPr lang="en-US" sz="3400" dirty="0">
+                <a:latin typeface="Open Sans Light" panose="020B0306030504020204" pitchFamily="34" charset="0"/>
+                <a:ea typeface="Open Sans Light" panose="020B0306030504020204" pitchFamily="34" charset="0"/>
+                <a:cs typeface="Open Sans Light" panose="020B0306030504020204" pitchFamily="34" charset="0"/>
+              </a:rPr>
+              <a:t>levels</a:t>
+            </a:r>
+          </a:p>
+          <a:p>
+            <a:pPr algn="l"/>
+            <a:r>
+              <a:rPr lang="en-US" sz="3400" dirty="0">
+                <a:latin typeface="Open Sans Light" panose="020B0306030504020204" pitchFamily="34" charset="0"/>
+                <a:ea typeface="Open Sans Light" panose="020B0306030504020204" pitchFamily="34" charset="0"/>
+                <a:cs typeface="Open Sans Light" panose="020B0306030504020204" pitchFamily="34" charset="0"/>
+              </a:rPr>
+              <a:t>              </a:t>
+            </a:r>
+            <a:r>
+              <a:rPr lang="en-US" sz="3400" dirty="0" smtClean="0">
+                <a:latin typeface="Open Sans Light" panose="020B0306030504020204" pitchFamily="34" charset="0"/>
+                <a:ea typeface="Open Sans Light" panose="020B0306030504020204" pitchFamily="34" charset="0"/>
+                <a:cs typeface="Open Sans Light" panose="020B0306030504020204" pitchFamily="34" charset="0"/>
+              </a:rPr>
+              <a:t>     Robots </a:t>
+            </a:r>
+            <a:r>
+              <a:rPr lang="en-US" sz="3400" dirty="0">
+                <a:latin typeface="Open Sans Light" panose="020B0306030504020204" pitchFamily="34" charset="0"/>
+                <a:ea typeface="Open Sans Light" panose="020B0306030504020204" pitchFamily="34" charset="0"/>
+                <a:cs typeface="Open Sans Light" panose="020B0306030504020204" pitchFamily="34" charset="0"/>
+              </a:rPr>
+              <a:t>&amp; Castles</a:t>
+            </a:r>
+          </a:p>
+          <a:p>
+            <a:pPr algn="l"/>
+            <a:r>
+              <a:rPr lang="en-US" sz="3400" dirty="0">
+                <a:latin typeface="Open Sans Light" panose="020B0306030504020204" pitchFamily="34" charset="0"/>
+                <a:ea typeface="Open Sans Light" panose="020B0306030504020204" pitchFamily="34" charset="0"/>
+                <a:cs typeface="Open Sans Light" panose="020B0306030504020204" pitchFamily="34" charset="0"/>
+              </a:rPr>
+              <a:t>              </a:t>
+            </a:r>
+            <a:r>
+              <a:rPr lang="en-US" sz="3400" dirty="0" smtClean="0">
+                <a:latin typeface="Open Sans Light" panose="020B0306030504020204" pitchFamily="34" charset="0"/>
+                <a:ea typeface="Open Sans Light" panose="020B0306030504020204" pitchFamily="34" charset="0"/>
+                <a:cs typeface="Open Sans Light" panose="020B0306030504020204" pitchFamily="34" charset="0"/>
+              </a:rPr>
+              <a:t>     Customizability </a:t>
+            </a:r>
+            <a:r>
+              <a:rPr lang="en-US" sz="3400" dirty="0">
+                <a:latin typeface="Open Sans Light" panose="020B0306030504020204" pitchFamily="34" charset="0"/>
+                <a:ea typeface="Open Sans Light" panose="020B0306030504020204" pitchFamily="34" charset="0"/>
+                <a:cs typeface="Open Sans Light" panose="020B0306030504020204" pitchFamily="34" charset="0"/>
+              </a:rPr>
+              <a:t>&amp; Upgrades</a:t>
+            </a:r>
+          </a:p>
+          <a:p>
+            <a:pPr algn="l"/>
+            <a:r>
+              <a:rPr lang="en-US" sz="3400" dirty="0">
+                <a:latin typeface="Open Sans Light" panose="020B0306030504020204" pitchFamily="34" charset="0"/>
+                <a:ea typeface="Open Sans Light" panose="020B0306030504020204" pitchFamily="34" charset="0"/>
+                <a:cs typeface="Open Sans Light" panose="020B0306030504020204" pitchFamily="34" charset="0"/>
+              </a:rPr>
+              <a:t>              </a:t>
+            </a:r>
+            <a:r>
+              <a:rPr lang="en-US" sz="3400" dirty="0" smtClean="0">
+                <a:latin typeface="Open Sans Light" panose="020B0306030504020204" pitchFamily="34" charset="0"/>
+                <a:ea typeface="Open Sans Light" panose="020B0306030504020204" pitchFamily="34" charset="0"/>
+                <a:cs typeface="Open Sans Light" panose="020B0306030504020204" pitchFamily="34" charset="0"/>
+              </a:rPr>
+              <a:t>     Collecting Items             </a:t>
+            </a:r>
             <a:endParaRPr lang="en-US" sz="3400" dirty="0">
               <a:latin typeface="Open Sans Light" panose="020B0306030504020204" pitchFamily="34" charset="0"/>
               <a:ea typeface="Open Sans Light" panose="020B0306030504020204" pitchFamily="34" charset="0"/>

--- a/HCIM Capstone Project.pptx
+++ b/HCIM Capstone Project.pptx
@@ -8467,12 +8467,28 @@
           </a:lstStyle>
           <a:p>
             <a:r>
+              <a:rPr lang="en-US" sz="4000" smtClean="0">
+                <a:latin typeface="Open Sans Light" panose="020B0306030504020204" pitchFamily="34" charset="0"/>
+                <a:ea typeface="Open Sans Light" panose="020B0306030504020204" pitchFamily="34" charset="0"/>
+                <a:cs typeface="Open Sans Light" panose="020B0306030504020204" pitchFamily="34" charset="0"/>
+              </a:rPr>
+              <a:t>Young children are </a:t>
+            </a:r>
+            <a:r>
               <a:rPr lang="en-US" sz="4000" dirty="0" smtClean="0">
                 <a:latin typeface="Open Sans Light" panose="020B0306030504020204" pitchFamily="34" charset="0"/>
                 <a:ea typeface="Open Sans Light" panose="020B0306030504020204" pitchFamily="34" charset="0"/>
                 <a:cs typeface="Open Sans Light" panose="020B0306030504020204" pitchFamily="34" charset="0"/>
               </a:rPr>
-              <a:t>Young children lack exposure to programming</a:t>
+              <a:t>left out of consideration in Computer </a:t>
+            </a:r>
+            <a:r>
+              <a:rPr lang="en-US" sz="4000" smtClean="0">
+                <a:latin typeface="Open Sans Light" panose="020B0306030504020204" pitchFamily="34" charset="0"/>
+                <a:ea typeface="Open Sans Light" panose="020B0306030504020204" pitchFamily="34" charset="0"/>
+                <a:cs typeface="Open Sans Light" panose="020B0306030504020204" pitchFamily="34" charset="0"/>
+              </a:rPr>
+              <a:t>Science learning</a:t>
             </a:r>
             <a:endParaRPr lang="en-US" sz="4000" dirty="0">
               <a:latin typeface="Open Sans Light" panose="020B0306030504020204" pitchFamily="34" charset="0"/>
